--- a/btech/Year 3/sem 5/ml/Unit-5/model evaluation metrics.pptx
+++ b/btech/Year 3/sem 5/ml/Unit-5/model evaluation metrics.pptx
@@ -236,6 +236,35 @@
 <p188:authorLst xmlns:a="http://schemas.openxmlformats.org/drawingml/2006/main" xmlns:r="http://schemas.openxmlformats.org/officeDocument/2006/relationships" xmlns:p188="http://schemas.microsoft.com/office/powerpoint/2018/8/main">
   <p188:author id="{00000000-0000-0000-0000-000000000000}" name="Author" initials="A" userId="Author" providerId="AD"/>
 </p188:authorLst>
+</file>
+
+<file path=ppt/changesInfos/changesInfo1.xml><?xml version="1.0" encoding="utf-8"?>
+<pc:chgInfo xmlns:a="http://schemas.openxmlformats.org/drawingml/2006/main" xmlns:r="http://schemas.openxmlformats.org/officeDocument/2006/relationships" xmlns:ac="http://schemas.microsoft.com/office/drawing/2013/main/command" xmlns:pc="http://schemas.microsoft.com/office/powerpoint/2013/main/command">
+  <pc:docChgLst>
+    <pc:chgData name="LAKSHYAJEET SINGH JALAL" userId="01e5ba25-0d9f-43e5-bf77-2b53e2295a79" providerId="ADAL" clId="{98E1FFF7-4F27-4896-90F9-CA907F1E1988}"/>
+    <pc:docChg chg="modSld">
+      <pc:chgData name="LAKSHYAJEET SINGH JALAL" userId="01e5ba25-0d9f-43e5-bf77-2b53e2295a79" providerId="ADAL" clId="{98E1FFF7-4F27-4896-90F9-CA907F1E1988}" dt="2024-12-20T03:20:17.543" v="1" actId="113"/>
+      <pc:docMkLst>
+        <pc:docMk/>
+      </pc:docMkLst>
+      <pc:sldChg chg="modSp mod">
+        <pc:chgData name="LAKSHYAJEET SINGH JALAL" userId="01e5ba25-0d9f-43e5-bf77-2b53e2295a79" providerId="ADAL" clId="{98E1FFF7-4F27-4896-90F9-CA907F1E1988}" dt="2024-12-20T03:20:17.543" v="1" actId="113"/>
+        <pc:sldMkLst>
+          <pc:docMk/>
+          <pc:sldMk cId="3913219759" sldId="304"/>
+        </pc:sldMkLst>
+        <pc:spChg chg="mod">
+          <ac:chgData name="LAKSHYAJEET SINGH JALAL" userId="01e5ba25-0d9f-43e5-bf77-2b53e2295a79" providerId="ADAL" clId="{98E1FFF7-4F27-4896-90F9-CA907F1E1988}" dt="2024-12-20T03:20:17.543" v="1" actId="113"/>
+          <ac:spMkLst>
+            <pc:docMk/>
+            <pc:sldMk cId="3913219759" sldId="304"/>
+            <ac:spMk id="2" creationId="{13021072-4A77-DB4D-DF41-58EADB7DA94E}"/>
+          </ac:spMkLst>
+        </pc:spChg>
+      </pc:sldChg>
+    </pc:docChg>
+  </pc:docChgLst>
+</pc:chgInfo>
 </file>
 
 <file path=ppt/handoutMasters/handoutMaster1.xml><?xml version="1.0" encoding="utf-8"?>
@@ -22585,6 +22614,15 @@
 </file>
 
 <file path=customXml/item1.xml><?xml version="1.0" encoding="utf-8"?>
+<?mso-contentType ?>
+<FormTemplates xmlns="http://schemas.microsoft.com/sharepoint/v3/contenttype/forms">
+  <Display>DocumentLibraryForm</Display>
+  <Edit>DocumentLibraryForm</Edit>
+  <New>DocumentLibraryForm</New>
+</FormTemplates>
+</file>
+
+<file path=customXml/item2.xml><?xml version="1.0" encoding="utf-8"?>
 <ct:contentTypeSchema xmlns:ct="http://schemas.microsoft.com/office/2006/metadata/contentType" xmlns:ma="http://schemas.microsoft.com/office/2006/metadata/properties/metaAttributes" ct:_="" ma:_="" ma:contentTypeName="Document" ma:contentTypeID="0x01010079F111ED35F8CC479449609E8A0923A6" ma:contentTypeVersion="28" ma:contentTypeDescription="Create a new document." ma:contentTypeScope="" ma:versionID="60f5a4f2d2b0abadcf532d48ebf9cb71">
   <xsd:schema xmlns:xsd="http://www.w3.org/2001/XMLSchema" xmlns:xs="http://www.w3.org/2001/XMLSchema" xmlns:p="http://schemas.microsoft.com/office/2006/metadata/properties" xmlns:ns1="http://schemas.microsoft.com/sharepoint/v3" xmlns:ns2="71af3243-3dd4-4a8d-8c0d-dd76da1f02a5" xmlns:ns3="16c05727-aa75-4e4a-9b5f-8a80a1165891" xmlns:ns4="230e9df3-be65-4c73-a93b-d1236ebd677e" targetNamespace="http://schemas.microsoft.com/office/2006/metadata/properties" ma:root="true" ma:fieldsID="7dd78129e6a1811f84807ad11c651531" ns1:_="" ns2:_="" ns3:_="" ns4:_="">
     <xsd:import namespace="http://schemas.microsoft.com/sharepoint/v3"/>
@@ -22896,15 +22934,6 @@
 </ct:contentTypeSchema>
 </file>
 
-<file path=customXml/item2.xml><?xml version="1.0" encoding="utf-8"?>
-<?mso-contentType ?>
-<FormTemplates xmlns="http://schemas.microsoft.com/sharepoint/v3/contenttype/forms">
-  <Display>DocumentLibraryForm</Display>
-  <Edit>DocumentLibraryForm</Edit>
-  <New>DocumentLibraryForm</New>
-</FormTemplates>
-</file>
-
 <file path=customXml/item3.xml><?xml version="1.0" encoding="utf-8"?>
 <p:properties xmlns:p="http://schemas.microsoft.com/office/2006/metadata/properties" xmlns:xsi="http://www.w3.org/2001/XMLSchema-instance" xmlns:pc="http://schemas.microsoft.com/office/infopath/2007/PartnerControls">
   <documentManagement>
@@ -22926,6 +22955,14 @@
 </file>
 
 <file path=customXml/itemProps1.xml><?xml version="1.0" encoding="utf-8"?>
+<ds:datastoreItem xmlns:ds="http://schemas.openxmlformats.org/officeDocument/2006/customXml" ds:itemID="{16DBB56F-4362-4386-A1A1-3DF898896616}">
+  <ds:schemaRefs>
+    <ds:schemaRef ds:uri="http://schemas.microsoft.com/sharepoint/v3/contenttype/forms"/>
+  </ds:schemaRefs>
+</ds:datastoreItem>
+</file>
+
+<file path=customXml/itemProps2.xml><?xml version="1.0" encoding="utf-8"?>
 <ds:datastoreItem xmlns:ds="http://schemas.openxmlformats.org/officeDocument/2006/customXml" ds:itemID="{04948363-B267-4BAC-8655-100FBEC280C1}">
   <ds:schemaRefs>
     <ds:schemaRef ds:uri="http://schemas.microsoft.com/office/2006/metadata/contentType"/>
@@ -22946,14 +22983,6 @@
 </ds:datastoreItem>
 </file>
 
-<file path=customXml/itemProps2.xml><?xml version="1.0" encoding="utf-8"?>
-<ds:datastoreItem xmlns:ds="http://schemas.openxmlformats.org/officeDocument/2006/customXml" ds:itemID="{16DBB56F-4362-4386-A1A1-3DF898896616}">
-  <ds:schemaRefs>
-    <ds:schemaRef ds:uri="http://schemas.microsoft.com/sharepoint/v3/contenttype/forms"/>
-  </ds:schemaRefs>
-</ds:datastoreItem>
-</file>
-
 <file path=customXml/itemProps3.xml><?xml version="1.0" encoding="utf-8"?>
 <ds:datastoreItem xmlns:ds="http://schemas.openxmlformats.org/officeDocument/2006/customXml" ds:itemID="{BA719FA4-954C-4FA8-82CB-206659C3B826}">
   <ds:schemaRefs>
